--- a/Курсовой Кучеровский/Курсовой проект TaskMaster.pptx
+++ b/Курсовой Кучеровский/Курсовой проект TaskMaster.pptx
@@ -119,6 +119,11 @@
       </a:defRPr>
     </a:lvl9pPr>
   </p:defaultTextStyle>
+  <p:extLst>
+    <p:ext uri="{EFAFB233-063F-42B5-8137-9DF3F51BA10A}">
+      <p15:sldGuideLst xmlns:p15="http://schemas.microsoft.com/office/powerpoint/2012/main"/>
+    </p:ext>
+  </p:extLst>
 </p:presentation>
 </file>
 
@@ -844,7 +849,7 @@
           <a:p>
             <a:fld id="{5B362FC3-4144-4D24-9477-E9A7205784E6}" type="datetimeFigureOut">
               <a:rPr lang="ru-RU" smtClean="0"/>
-              <a:t>28.10.2023</a:t>
+              <a:t>31.10.2023</a:t>
             </a:fld>
             <a:endParaRPr lang="ru-RU"/>
           </a:p>
@@ -1095,7 +1100,7 @@
           <a:p>
             <a:fld id="{5B362FC3-4144-4D24-9477-E9A7205784E6}" type="datetimeFigureOut">
               <a:rPr lang="ru-RU" smtClean="0"/>
-              <a:t>28.10.2023</a:t>
+              <a:t>31.10.2023</a:t>
             </a:fld>
             <a:endParaRPr lang="ru-RU"/>
           </a:p>
@@ -1409,7 +1414,7 @@
           <a:p>
             <a:fld id="{5B362FC3-4144-4D24-9477-E9A7205784E6}" type="datetimeFigureOut">
               <a:rPr lang="ru-RU" smtClean="0"/>
-              <a:t>28.10.2023</a:t>
+              <a:t>31.10.2023</a:t>
             </a:fld>
             <a:endParaRPr lang="ru-RU"/>
           </a:p>
@@ -1750,7 +1755,7 @@
           <a:p>
             <a:fld id="{5B362FC3-4144-4D24-9477-E9A7205784E6}" type="datetimeFigureOut">
               <a:rPr lang="ru-RU" smtClean="0"/>
-              <a:t>28.10.2023</a:t>
+              <a:t>31.10.2023</a:t>
             </a:fld>
             <a:endParaRPr lang="ru-RU"/>
           </a:p>
@@ -2064,7 +2069,7 @@
           <a:p>
             <a:fld id="{5B362FC3-4144-4D24-9477-E9A7205784E6}" type="datetimeFigureOut">
               <a:rPr lang="ru-RU" smtClean="0"/>
-              <a:t>28.10.2023</a:t>
+              <a:t>31.10.2023</a:t>
             </a:fld>
             <a:endParaRPr lang="ru-RU"/>
           </a:p>
@@ -2457,7 +2462,7 @@
           <a:p>
             <a:fld id="{5B362FC3-4144-4D24-9477-E9A7205784E6}" type="datetimeFigureOut">
               <a:rPr lang="ru-RU" smtClean="0"/>
-              <a:t>28.10.2023</a:t>
+              <a:t>31.10.2023</a:t>
             </a:fld>
             <a:endParaRPr lang="ru-RU"/>
           </a:p>
@@ -2627,7 +2632,7 @@
           <a:p>
             <a:fld id="{5B362FC3-4144-4D24-9477-E9A7205784E6}" type="datetimeFigureOut">
               <a:rPr lang="ru-RU" smtClean="0"/>
-              <a:t>28.10.2023</a:t>
+              <a:t>31.10.2023</a:t>
             </a:fld>
             <a:endParaRPr lang="ru-RU"/>
           </a:p>
@@ -2807,7 +2812,7 @@
           <a:p>
             <a:fld id="{5B362FC3-4144-4D24-9477-E9A7205784E6}" type="datetimeFigureOut">
               <a:rPr lang="ru-RU" smtClean="0"/>
-              <a:t>28.10.2023</a:t>
+              <a:t>31.10.2023</a:t>
             </a:fld>
             <a:endParaRPr lang="ru-RU"/>
           </a:p>
@@ -2983,7 +2988,7 @@
           <a:p>
             <a:fld id="{5B362FC3-4144-4D24-9477-E9A7205784E6}" type="datetimeFigureOut">
               <a:rPr lang="ru-RU" smtClean="0"/>
-              <a:t>28.10.2023</a:t>
+              <a:t>31.10.2023</a:t>
             </a:fld>
             <a:endParaRPr lang="ru-RU"/>
           </a:p>
@@ -3230,7 +3235,7 @@
           <a:p>
             <a:fld id="{5B362FC3-4144-4D24-9477-E9A7205784E6}" type="datetimeFigureOut">
               <a:rPr lang="ru-RU" smtClean="0"/>
-              <a:t>28.10.2023</a:t>
+              <a:t>31.10.2023</a:t>
             </a:fld>
             <a:endParaRPr lang="ru-RU"/>
           </a:p>
@@ -3462,7 +3467,7 @@
           <a:p>
             <a:fld id="{5B362FC3-4144-4D24-9477-E9A7205784E6}" type="datetimeFigureOut">
               <a:rPr lang="ru-RU" smtClean="0"/>
-              <a:t>28.10.2023</a:t>
+              <a:t>31.10.2023</a:t>
             </a:fld>
             <a:endParaRPr lang="ru-RU"/>
           </a:p>
@@ -3836,7 +3841,7 @@
           <a:p>
             <a:fld id="{5B362FC3-4144-4D24-9477-E9A7205784E6}" type="datetimeFigureOut">
               <a:rPr lang="ru-RU" smtClean="0"/>
-              <a:t>28.10.2023</a:t>
+              <a:t>31.10.2023</a:t>
             </a:fld>
             <a:endParaRPr lang="ru-RU"/>
           </a:p>
@@ -3959,7 +3964,7 @@
           <a:p>
             <a:fld id="{5B362FC3-4144-4D24-9477-E9A7205784E6}" type="datetimeFigureOut">
               <a:rPr lang="ru-RU" smtClean="0"/>
-              <a:t>28.10.2023</a:t>
+              <a:t>31.10.2023</a:t>
             </a:fld>
             <a:endParaRPr lang="ru-RU"/>
           </a:p>
@@ -4054,7 +4059,7 @@
           <a:p>
             <a:fld id="{5B362FC3-4144-4D24-9477-E9A7205784E6}" type="datetimeFigureOut">
               <a:rPr lang="ru-RU" smtClean="0"/>
-              <a:t>28.10.2023</a:t>
+              <a:t>31.10.2023</a:t>
             </a:fld>
             <a:endParaRPr lang="ru-RU"/>
           </a:p>
@@ -4309,7 +4314,7 @@
           <a:p>
             <a:fld id="{5B362FC3-4144-4D24-9477-E9A7205784E6}" type="datetimeFigureOut">
               <a:rPr lang="ru-RU" smtClean="0"/>
-              <a:t>28.10.2023</a:t>
+              <a:t>31.10.2023</a:t>
             </a:fld>
             <a:endParaRPr lang="ru-RU"/>
           </a:p>
@@ -4572,7 +4577,7 @@
           <a:p>
             <a:fld id="{5B362FC3-4144-4D24-9477-E9A7205784E6}" type="datetimeFigureOut">
               <a:rPr lang="ru-RU" smtClean="0"/>
-              <a:t>28.10.2023</a:t>
+              <a:t>31.10.2023</a:t>
             </a:fld>
             <a:endParaRPr lang="ru-RU"/>
           </a:p>
@@ -5315,7 +5320,7 @@
           <a:p>
             <a:fld id="{5B362FC3-4144-4D24-9477-E9A7205784E6}" type="datetimeFigureOut">
               <a:rPr lang="ru-RU" smtClean="0"/>
-              <a:t>28.10.2023</a:t>
+              <a:t>31.10.2023</a:t>
             </a:fld>
             <a:endParaRPr lang="ru-RU"/>
           </a:p>
@@ -11242,7 +11247,7 @@
         <p:spPr>
           <a:xfrm>
             <a:off x="196898" y="1573185"/>
-            <a:ext cx="8424936" cy="2431435"/>
+            <a:ext cx="8424936" cy="2923877"/>
           </a:xfrm>
           <a:prstGeom prst="rect">
             <a:avLst/>
@@ -11266,7 +11271,33 @@
                 <a:latin typeface="Bookman Old Style" panose="02050604050505020204" pitchFamily="18" charset="0"/>
                 <a:cs typeface="Times New Roman" panose="02020603050405020304" pitchFamily="18" charset="0"/>
               </a:rPr>
-              <a:t>В ходе анализа предметной области, этапов проектирования была создана проектная документация, включающая спецификации модулей, блок-схемы</a:t>
+              <a:t>В ходе анализа предметной области, этапов проектирования была создана проектная документация, включающая спецификации модулей, </a:t>
+            </a:r>
+            <a:r>
+              <a:rPr lang="en-US" sz="3200" dirty="0">
+                <a:solidFill>
+                  <a:schemeClr val="tx1">
+                    <a:lumMod val="75000"/>
+                    <a:lumOff val="25000"/>
+                  </a:schemeClr>
+                </a:solidFill>
+                <a:latin typeface="Bookman Old Style" panose="02050604050505020204" pitchFamily="18" charset="0"/>
+                <a:cs typeface="Times New Roman" panose="02020603050405020304" pitchFamily="18" charset="0"/>
+              </a:rPr>
+              <a:t>UML-</a:t>
+            </a:r>
+            <a:r>
+              <a:rPr lang="ru-RU" sz="3200" dirty="0">
+                <a:solidFill>
+                  <a:schemeClr val="tx1">
+                    <a:lumMod val="75000"/>
+                    <a:lumOff val="25000"/>
+                  </a:schemeClr>
+                </a:solidFill>
+                <a:latin typeface="Bookman Old Style" panose="02050604050505020204" pitchFamily="18" charset="0"/>
+                <a:cs typeface="Times New Roman" panose="02020603050405020304" pitchFamily="18" charset="0"/>
+              </a:rPr>
+              <a:t>диаграммы</a:t>
             </a:r>
             <a:r>
               <a:rPr lang="en-US" sz="3200" dirty="0">

--- a/Курсовой Кучеровский/Курсовой проект TaskMaster.pptx
+++ b/Курсовой Кучеровский/Курсовой проект TaskMaster.pptx
@@ -10516,7 +10516,7 @@
         <p:spPr>
           <a:xfrm>
             <a:off x="0" y="908184"/>
-            <a:ext cx="4967868" cy="5516447"/>
+            <a:ext cx="5130140" cy="5965287"/>
           </a:xfrm>
           <a:prstGeom prst="rect">
             <a:avLst/>
@@ -10630,8 +10630,64 @@
                 <a:ea typeface="Times New Roman" panose="02020603050405020304" pitchFamily="18" charset="0"/>
                 <a:cs typeface="Times New Roman" panose="02020603050405020304" pitchFamily="18" charset="0"/>
               </a:rPr>
-              <a:t>выбор из списка нужного термина и фильтрация терминов через поисковую строку;</a:t>
-            </a:r>
+              <a:t>информация о сотрудниках, </a:t>
+            </a:r>
+            <a:r>
+              <a:rPr lang="ru-RU" sz="2400" dirty="0">
+                <a:solidFill>
+                  <a:schemeClr val="tx1">
+                    <a:lumMod val="75000"/>
+                    <a:lumOff val="25000"/>
+                  </a:schemeClr>
+                </a:solidFill>
+                <a:latin typeface="Bookman Old Style" panose="02050604050505020204" pitchFamily="18" charset="0"/>
+                <a:ea typeface="Times New Roman" panose="02020603050405020304" pitchFamily="18" charset="0"/>
+                <a:cs typeface="Times New Roman" panose="02020603050405020304" pitchFamily="18" charset="0"/>
+              </a:rPr>
+              <a:t>и </a:t>
+            </a:r>
+            <a:r>
+              <a:rPr lang="ru-RU" sz="2400" dirty="0">
+                <a:solidFill>
+                  <a:schemeClr val="tx1">
+                    <a:lumMod val="75000"/>
+                    <a:lumOff val="25000"/>
+                  </a:schemeClr>
+                </a:solidFill>
+                <a:effectLst/>
+                <a:latin typeface="Bookman Old Style" panose="02050604050505020204" pitchFamily="18" charset="0"/>
+                <a:ea typeface="Times New Roman" panose="02020603050405020304" pitchFamily="18" charset="0"/>
+                <a:cs typeface="Times New Roman" panose="02020603050405020304" pitchFamily="18" charset="0"/>
+              </a:rPr>
+              <a:t>поставленных руководителем заданиях</a:t>
+            </a:r>
+            <a:r>
+              <a:rPr lang="en-US" sz="2400" dirty="0">
+                <a:solidFill>
+                  <a:schemeClr val="tx1">
+                    <a:lumMod val="75000"/>
+                    <a:lumOff val="25000"/>
+                  </a:schemeClr>
+                </a:solidFill>
+                <a:effectLst/>
+                <a:latin typeface="Bookman Old Style" panose="02050604050505020204" pitchFamily="18" charset="0"/>
+                <a:ea typeface="Times New Roman" panose="02020603050405020304" pitchFamily="18" charset="0"/>
+                <a:cs typeface="Times New Roman" panose="02020603050405020304" pitchFamily="18" charset="0"/>
+              </a:rPr>
+              <a:t>;</a:t>
+            </a:r>
+            <a:endParaRPr lang="ru-RU" sz="2400" dirty="0">
+              <a:solidFill>
+                <a:schemeClr val="tx1">
+                  <a:lumMod val="75000"/>
+                  <a:lumOff val="25000"/>
+                </a:schemeClr>
+              </a:solidFill>
+              <a:effectLst/>
+              <a:latin typeface="Bookman Old Style" panose="02050604050505020204" pitchFamily="18" charset="0"/>
+              <a:ea typeface="Times New Roman" panose="02020603050405020304" pitchFamily="18" charset="0"/>
+              <a:cs typeface="Times New Roman" panose="02020603050405020304" pitchFamily="18" charset="0"/>
+            </a:endParaRPr>
           </a:p>
           <a:p>
             <a:pPr marL="285750" indent="-285750">
@@ -10656,22 +10712,9 @@
                 </a:solidFill>
                 <a:latin typeface="Bookman Old Style" panose="02050604050505020204" pitchFamily="18" charset="0"/>
                 <a:ea typeface="Times New Roman" panose="02020603050405020304" pitchFamily="18" charset="0"/>
+                <a:cs typeface="Times New Roman" panose="02020603050405020304" pitchFamily="18" charset="0"/>
               </a:rPr>
-              <a:t>в</a:t>
-            </a:r>
-            <a:r>
-              <a:rPr lang="ru-RU" sz="2400" dirty="0">
-                <a:solidFill>
-                  <a:schemeClr val="tx1">
-                    <a:lumMod val="75000"/>
-                    <a:lumOff val="25000"/>
-                  </a:schemeClr>
-                </a:solidFill>
-                <a:effectLst/>
-                <a:latin typeface="Bookman Old Style" panose="02050604050505020204" pitchFamily="18" charset="0"/>
-                <a:ea typeface="Times New Roman" panose="02020603050405020304" pitchFamily="18" charset="0"/>
-              </a:rPr>
-              <a:t>ыбор из списка нужной главы</a:t>
+              <a:t>д</a:t>
             </a:r>
             <a:r>
               <a:rPr lang="ru-RU" sz="2400" dirty="0">
@@ -10686,7 +10729,7 @@
                 <a:ea typeface="Times New Roman" panose="02020603050405020304" pitchFamily="18" charset="0"/>
                 <a:cs typeface="Times New Roman" panose="02020603050405020304" pitchFamily="18" charset="0"/>
               </a:rPr>
-              <a:t>;</a:t>
+              <a:t>обавление результатов и изменение статуса задания;</a:t>
             </a:r>
           </a:p>
           <a:p>
@@ -10712,35 +10755,9 @@
                 </a:solidFill>
                 <a:latin typeface="Bookman Old Style" panose="02050604050505020204" pitchFamily="18" charset="0"/>
                 <a:ea typeface="Times New Roman" panose="02020603050405020304" pitchFamily="18" charset="0"/>
+                <a:cs typeface="Times New Roman" panose="02020603050405020304" pitchFamily="18" charset="0"/>
               </a:rPr>
-              <a:t>д</a:t>
-            </a:r>
-            <a:r>
-              <a:rPr lang="ru-RU" sz="2400" dirty="0">
-                <a:solidFill>
-                  <a:schemeClr val="tx1">
-                    <a:lumMod val="75000"/>
-                    <a:lumOff val="25000"/>
-                  </a:schemeClr>
-                </a:solidFill>
-                <a:effectLst/>
-                <a:latin typeface="Bookman Old Style" panose="02050604050505020204" pitchFamily="18" charset="0"/>
-                <a:ea typeface="Times New Roman" panose="02020603050405020304" pitchFamily="18" charset="0"/>
-              </a:rPr>
-              <a:t>ля администратора добавление новых записей, а также удаление добавленных ранее записей</a:t>
-            </a:r>
-            <a:r>
-              <a:rPr lang="ru-RU" sz="2400" dirty="0">
-                <a:solidFill>
-                  <a:schemeClr val="tx1">
-                    <a:lumMod val="75000"/>
-                    <a:lumOff val="25000"/>
-                  </a:schemeClr>
-                </a:solidFill>
-                <a:latin typeface="Bookman Old Style" panose="02050604050505020204" pitchFamily="18" charset="0"/>
-                <a:ea typeface="Times New Roman" panose="02020603050405020304" pitchFamily="18" charset="0"/>
-              </a:rPr>
-              <a:t>.</a:t>
+              <a:t>фильтрация списка заданий;</a:t>
             </a:r>
             <a:endParaRPr lang="ru-RU" sz="2400" dirty="0">
               <a:solidFill>
@@ -10755,6 +10772,87 @@
               <a:cs typeface="Times New Roman" panose="02020603050405020304" pitchFamily="18" charset="0"/>
             </a:endParaRPr>
           </a:p>
+          <a:p>
+            <a:pPr marL="285750" indent="-285750">
+              <a:lnSpc>
+                <a:spcPts val="3500"/>
+              </a:lnSpc>
+              <a:buClr>
+                <a:schemeClr val="accent1">
+                  <a:lumMod val="75000"/>
+                </a:schemeClr>
+              </a:buClr>
+              <a:buFont typeface="Wingdings" panose="05000000000000000000" pitchFamily="2" charset="2"/>
+              <a:buChar char="Ø"/>
+            </a:pPr>
+            <a:r>
+              <a:rPr lang="ru-RU" sz="2400" dirty="0">
+                <a:solidFill>
+                  <a:schemeClr val="tx1">
+                    <a:lumMod val="75000"/>
+                    <a:lumOff val="25000"/>
+                  </a:schemeClr>
+                </a:solidFill>
+                <a:latin typeface="Bookman Old Style" panose="02050604050505020204" pitchFamily="18" charset="0"/>
+                <a:ea typeface="Times New Roman" panose="02020603050405020304" pitchFamily="18" charset="0"/>
+              </a:rPr>
+              <a:t>д</a:t>
+            </a:r>
+            <a:r>
+              <a:rPr lang="ru-RU" sz="2400" dirty="0">
+                <a:solidFill>
+                  <a:schemeClr val="tx1">
+                    <a:lumMod val="75000"/>
+                    <a:lumOff val="25000"/>
+                  </a:schemeClr>
+                </a:solidFill>
+                <a:effectLst/>
+                <a:latin typeface="Bookman Old Style" panose="02050604050505020204" pitchFamily="18" charset="0"/>
+                <a:ea typeface="Times New Roman" panose="02020603050405020304" pitchFamily="18" charset="0"/>
+              </a:rPr>
+              <a:t>ля администратора редактирование заданий, сотрудников и администраторов;</a:t>
+            </a:r>
+          </a:p>
+          <a:p>
+            <a:pPr marL="285750" indent="-285750">
+              <a:lnSpc>
+                <a:spcPts val="3500"/>
+              </a:lnSpc>
+              <a:buClr>
+                <a:schemeClr val="accent1">
+                  <a:lumMod val="75000"/>
+                </a:schemeClr>
+              </a:buClr>
+              <a:buFont typeface="Wingdings" panose="05000000000000000000" pitchFamily="2" charset="2"/>
+              <a:buChar char="Ø"/>
+            </a:pPr>
+            <a:r>
+              <a:rPr lang="ru-RU" sz="2400" dirty="0">
+                <a:solidFill>
+                  <a:schemeClr val="tx1">
+                    <a:lumMod val="75000"/>
+                    <a:lumOff val="25000"/>
+                  </a:schemeClr>
+                </a:solidFill>
+                <a:latin typeface="Bookman Old Style" panose="02050604050505020204" pitchFamily="18" charset="0"/>
+                <a:ea typeface="Times New Roman" panose="02020603050405020304" pitchFamily="18" charset="0"/>
+                <a:cs typeface="Times New Roman" panose="02020603050405020304" pitchFamily="18" charset="0"/>
+              </a:rPr>
+              <a:t>экспорт списка заданий.</a:t>
+            </a:r>
+            <a:endParaRPr lang="ru-RU" sz="2400" dirty="0">
+              <a:solidFill>
+                <a:schemeClr val="tx1">
+                  <a:lumMod val="75000"/>
+                  <a:lumOff val="25000"/>
+                </a:schemeClr>
+              </a:solidFill>
+              <a:effectLst/>
+              <a:latin typeface="Bookman Old Style" panose="02050604050505020204" pitchFamily="18" charset="0"/>
+              <a:ea typeface="Times New Roman" panose="02020603050405020304" pitchFamily="18" charset="0"/>
+              <a:cs typeface="Times New Roman" panose="02020603050405020304" pitchFamily="18" charset="0"/>
+            </a:endParaRPr>
+          </a:p>
         </p:txBody>
       </p:sp>
       <p:sp>
@@ -10772,7 +10870,7 @@
         <p:spPr>
           <a:xfrm>
             <a:off x="4953000" y="908184"/>
-            <a:ext cx="4326673" cy="5067606"/>
+            <a:ext cx="4326673" cy="5965287"/>
           </a:xfrm>
           <a:prstGeom prst="rect">
             <a:avLst/>
@@ -10828,7 +10926,7 @@
                 <a:latin typeface="Bookman Old Style" panose="02050604050505020204" pitchFamily="18" charset="0"/>
                 <a:cs typeface="Times New Roman" panose="02020603050405020304" pitchFamily="18" charset="0"/>
               </a:rPr>
-              <a:t>успешная авторизация или регистрация;</a:t>
+              <a:t>успешная авторизация;</a:t>
             </a:r>
           </a:p>
           <a:p>
@@ -10855,7 +10953,7 @@
                 <a:latin typeface="Bookman Old Style" panose="02050604050505020204" pitchFamily="18" charset="0"/>
                 <a:cs typeface="Times New Roman" panose="02020603050405020304" pitchFamily="18" charset="0"/>
               </a:rPr>
-              <a:t>вывод термина и его трактовки;</a:t>
+              <a:t>вывод  информация о сотруднике и списка заданий с результатами;</a:t>
             </a:r>
           </a:p>
           <a:p>
@@ -10880,19 +10978,6 @@
                   </a:schemeClr>
                 </a:solidFill>
                 <a:latin typeface="Bookman Old Style" panose="02050604050505020204" pitchFamily="18" charset="0"/>
-                <a:cs typeface="Times New Roman" panose="02020603050405020304" pitchFamily="18" charset="0"/>
-              </a:rPr>
-              <a:t>вывод справочной информацией по необходимой главе </a:t>
-            </a:r>
-            <a:r>
-              <a:rPr lang="ru-RU" sz="2400" dirty="0">
-                <a:solidFill>
-                  <a:schemeClr val="tx1">
-                    <a:lumMod val="75000"/>
-                    <a:lumOff val="25000"/>
-                  </a:schemeClr>
-                </a:solidFill>
-                <a:latin typeface="Bookman Old Style" panose="02050604050505020204" pitchFamily="18" charset="0"/>
                 <a:ea typeface="Times New Roman" panose="02020603050405020304" pitchFamily="18" charset="0"/>
               </a:rPr>
               <a:t>д</a:t>
@@ -10919,7 +11004,86 @@
               </a:rPr>
               <a:t> </a:t>
             </a:r>
+          </a:p>
+          <a:p>
+            <a:pPr marL="342900" indent="-342900" algn="just">
+              <a:lnSpc>
+                <a:spcPts val="3500"/>
+              </a:lnSpc>
+              <a:buClr>
+                <a:schemeClr val="accent1">
+                  <a:lumMod val="75000"/>
+                </a:schemeClr>
+              </a:buClr>
+              <a:buFont typeface="Wingdings" panose="05000000000000000000" pitchFamily="2" charset="2"/>
+              <a:buChar char="Ø"/>
+            </a:pPr>
+            <a:r>
+              <a:rPr lang="ru-RU" sz="2400" dirty="0">
+                <a:solidFill>
+                  <a:schemeClr val="tx2">
+                    <a:lumMod val="75000"/>
+                  </a:schemeClr>
+                </a:solidFill>
+                <a:latin typeface="Bookman Old Style" panose="02050604050505020204" pitchFamily="18" charset="0"/>
+                <a:ea typeface="Times New Roman" panose="02020603050405020304" pitchFamily="18" charset="0"/>
+              </a:rPr>
+              <a:t>отфильтрованный список заданий;</a:t>
+            </a:r>
             <a:endParaRPr lang="ru-RU" sz="2400" dirty="0">
+              <a:solidFill>
+                <a:schemeClr val="tx2">
+                  <a:lumMod val="75000"/>
+                </a:schemeClr>
+              </a:solidFill>
+              <a:effectLst/>
+              <a:latin typeface="Bookman Old Style" panose="02050604050505020204" pitchFamily="18" charset="0"/>
+              <a:ea typeface="Times New Roman" panose="02020603050405020304" pitchFamily="18" charset="0"/>
+            </a:endParaRPr>
+          </a:p>
+          <a:p>
+            <a:pPr marL="342900" indent="-342900" algn="just">
+              <a:lnSpc>
+                <a:spcPts val="3500"/>
+              </a:lnSpc>
+              <a:buClr>
+                <a:schemeClr val="accent1">
+                  <a:lumMod val="75000"/>
+                </a:schemeClr>
+              </a:buClr>
+              <a:buFont typeface="Wingdings" panose="05000000000000000000" pitchFamily="2" charset="2"/>
+              <a:buChar char="Ø"/>
+            </a:pPr>
+            <a:r>
+              <a:rPr lang="ru-RU" sz="2400" dirty="0">
+                <a:solidFill>
+                  <a:schemeClr val="tx2">
+                    <a:lumMod val="75000"/>
+                  </a:schemeClr>
+                </a:solidFill>
+                <a:latin typeface="Bookman Old Style" panose="02050604050505020204" pitchFamily="18" charset="0"/>
+                <a:cs typeface="Times New Roman" panose="02020603050405020304" pitchFamily="18" charset="0"/>
+              </a:rPr>
+              <a:t>вывод информации о заданиях в </a:t>
+            </a:r>
+            <a:r>
+              <a:rPr lang="en-US" sz="2400" dirty="0">
+                <a:solidFill>
+                  <a:schemeClr val="tx2">
+                    <a:lumMod val="75000"/>
+                  </a:schemeClr>
+                </a:solidFill>
+                <a:latin typeface="Bookman Old Style" panose="02050604050505020204" pitchFamily="18" charset="0"/>
+                <a:cs typeface="Times New Roman" panose="02020603050405020304" pitchFamily="18" charset="0"/>
+              </a:rPr>
+              <a:t>Excel.</a:t>
+            </a:r>
+            <a:endParaRPr lang="ru-RU" sz="2400" dirty="0">
+              <a:solidFill>
+                <a:schemeClr val="tx2">
+                  <a:lumMod val="75000"/>
+                </a:schemeClr>
+              </a:solidFill>
               <a:latin typeface="Bookman Old Style" panose="02050604050505020204" pitchFamily="18" charset="0"/>
               <a:cs typeface="Times New Roman" panose="02020603050405020304" pitchFamily="18" charset="0"/>
             </a:endParaRPr>
